--- a/Overview_of_Blueprint_Packages_on_Linux.pptx
+++ b/Overview_of_Blueprint_Packages_on_Linux.pptx
@@ -7,9 +7,11 @@
   <p:sldIdLst>
     <p:sldId id="256" r:id="rId2"/>
     <p:sldId id="257" r:id="rId3"/>
-    <p:sldId id="258" r:id="rId4"/>
-    <p:sldId id="259" r:id="rId5"/>
-    <p:sldId id="260" r:id="rId6"/>
+    <p:sldId id="261" r:id="rId4"/>
+    <p:sldId id="264" r:id="rId5"/>
+    <p:sldId id="262" r:id="rId6"/>
+    <p:sldId id="263" r:id="rId7"/>
+    <p:sldId id="265" r:id="rId8"/>
   </p:sldIdLst>
   <p:sldSz cx="12192000" cy="6858000"/>
   <p:notesSz cx="6858000" cy="9144000"/>
@@ -247,7 +249,7 @@
           <a:p>
             <a:fld id="{A7C1501B-66B6-43A5-AFE6-F16C0D08DFD3}" type="datetimeFigureOut">
               <a:rPr lang="en-US" smtClean="0"/>
-              <a:t>11/27/2015</a:t>
+              <a:t>12/07/2015</a:t>
             </a:fld>
             <a:endParaRPr lang="en-US"/>
           </a:p>
@@ -417,7 +419,7 @@
           <a:p>
             <a:fld id="{A7C1501B-66B6-43A5-AFE6-F16C0D08DFD3}" type="datetimeFigureOut">
               <a:rPr lang="en-US" smtClean="0"/>
-              <a:t>11/27/2015</a:t>
+              <a:t>12/07/2015</a:t>
             </a:fld>
             <a:endParaRPr lang="en-US"/>
           </a:p>
@@ -597,7 +599,7 @@
           <a:p>
             <a:fld id="{A7C1501B-66B6-43A5-AFE6-F16C0D08DFD3}" type="datetimeFigureOut">
               <a:rPr lang="en-US" smtClean="0"/>
-              <a:t>11/27/2015</a:t>
+              <a:t>12/07/2015</a:t>
             </a:fld>
             <a:endParaRPr lang="en-US"/>
           </a:p>
@@ -767,7 +769,7 @@
           <a:p>
             <a:fld id="{A7C1501B-66B6-43A5-AFE6-F16C0D08DFD3}" type="datetimeFigureOut">
               <a:rPr lang="en-US" smtClean="0"/>
-              <a:t>11/27/2015</a:t>
+              <a:t>12/07/2015</a:t>
             </a:fld>
             <a:endParaRPr lang="en-US"/>
           </a:p>
@@ -1013,7 +1015,7 @@
           <a:p>
             <a:fld id="{A7C1501B-66B6-43A5-AFE6-F16C0D08DFD3}" type="datetimeFigureOut">
               <a:rPr lang="en-US" smtClean="0"/>
-              <a:t>11/27/2015</a:t>
+              <a:t>12/07/2015</a:t>
             </a:fld>
             <a:endParaRPr lang="en-US"/>
           </a:p>
@@ -1245,7 +1247,7 @@
           <a:p>
             <a:fld id="{A7C1501B-66B6-43A5-AFE6-F16C0D08DFD3}" type="datetimeFigureOut">
               <a:rPr lang="en-US" smtClean="0"/>
-              <a:t>11/27/2015</a:t>
+              <a:t>12/07/2015</a:t>
             </a:fld>
             <a:endParaRPr lang="en-US"/>
           </a:p>
@@ -1612,7 +1614,7 @@
           <a:p>
             <a:fld id="{A7C1501B-66B6-43A5-AFE6-F16C0D08DFD3}" type="datetimeFigureOut">
               <a:rPr lang="en-US" smtClean="0"/>
-              <a:t>11/27/2015</a:t>
+              <a:t>12/07/2015</a:t>
             </a:fld>
             <a:endParaRPr lang="en-US"/>
           </a:p>
@@ -1730,7 +1732,7 @@
           <a:p>
             <a:fld id="{A7C1501B-66B6-43A5-AFE6-F16C0D08DFD3}" type="datetimeFigureOut">
               <a:rPr lang="en-US" smtClean="0"/>
-              <a:t>11/27/2015</a:t>
+              <a:t>12/07/2015</a:t>
             </a:fld>
             <a:endParaRPr lang="en-US"/>
           </a:p>
@@ -1825,7 +1827,7 @@
           <a:p>
             <a:fld id="{A7C1501B-66B6-43A5-AFE6-F16C0D08DFD3}" type="datetimeFigureOut">
               <a:rPr lang="en-US" smtClean="0"/>
-              <a:t>11/27/2015</a:t>
+              <a:t>12/07/2015</a:t>
             </a:fld>
             <a:endParaRPr lang="en-US"/>
           </a:p>
@@ -2102,7 +2104,7 @@
           <a:p>
             <a:fld id="{A7C1501B-66B6-43A5-AFE6-F16C0D08DFD3}" type="datetimeFigureOut">
               <a:rPr lang="en-US" smtClean="0"/>
-              <a:t>11/27/2015</a:t>
+              <a:t>12/07/2015</a:t>
             </a:fld>
             <a:endParaRPr lang="en-US"/>
           </a:p>
@@ -2355,7 +2357,7 @@
           <a:p>
             <a:fld id="{A7C1501B-66B6-43A5-AFE6-F16C0D08DFD3}" type="datetimeFigureOut">
               <a:rPr lang="en-US" smtClean="0"/>
-              <a:t>11/27/2015</a:t>
+              <a:t>12/07/2015</a:t>
             </a:fld>
             <a:endParaRPr lang="en-US"/>
           </a:p>
@@ -2568,7 +2570,7 @@
           <a:p>
             <a:fld id="{A7C1501B-66B6-43A5-AFE6-F16C0D08DFD3}" type="datetimeFigureOut">
               <a:rPr lang="en-US" smtClean="0"/>
-              <a:t>11/27/2015</a:t>
+              <a:t>12/07/2015</a:t>
             </a:fld>
             <a:endParaRPr lang="en-US"/>
           </a:p>
@@ -2990,15 +2992,7 @@
           <a:p>
             <a:r>
               <a:rPr lang="en-US" dirty="0" smtClean="0"/>
-              <a:t>Overview of </a:t>
-            </a:r>
-            <a:r>
-              <a:rPr lang="en-US" dirty="0" smtClean="0"/>
-              <a:t>Blueprint Packages </a:t>
-            </a:r>
-            <a:r>
-              <a:rPr lang="en-US" dirty="0" smtClean="0"/>
-              <a:t>on Linux</a:t>
+              <a:t>Overview of Blueprint Packages on Linux</a:t>
             </a:r>
             <a:endParaRPr lang="en-US" dirty="0"/>
           </a:p>
@@ -3021,7 +3015,17 @@
           <a:p>
             <a:r>
               <a:rPr lang="en-US" dirty="0" smtClean="0"/>
-              <a:t>Creating and executing a package for Linux</a:t>
+              <a:t>Creating and executing a package for </a:t>
+            </a:r>
+            <a:r>
+              <a:rPr lang="en-US" dirty="0" smtClean="0"/>
+              <a:t>Linux</a:t>
+            </a:r>
+          </a:p>
+          <a:p>
+            <a:r>
+              <a:rPr lang="en-US" dirty="0" smtClean="0"/>
+              <a:t>By: Ernest G. Wilson II</a:t>
             </a:r>
             <a:endParaRPr lang="en-US" dirty="0"/>
           </a:p>
@@ -3074,7 +3078,15 @@
           <a:p>
             <a:r>
               <a:rPr lang="en-US" dirty="0" smtClean="0"/>
-              <a:t>What is a blueprint?</a:t>
+              <a:t>What is a blueprint package </a:t>
+            </a:r>
+            <a:r>
+              <a:rPr lang="en-US" dirty="0" smtClean="0"/>
+              <a:t>for </a:t>
+            </a:r>
+            <a:r>
+              <a:rPr lang="en-US" dirty="0" smtClean="0"/>
+              <a:t>Linux?</a:t>
             </a:r>
             <a:endParaRPr lang="en-US" dirty="0"/>
           </a:p>
@@ -3095,7 +3107,60 @@
           <a:bodyPr/>
           <a:lstStyle/>
           <a:p>
-            <a:endParaRPr lang="en-US"/>
+            <a:r>
+              <a:rPr lang="en-US" dirty="0" smtClean="0"/>
+              <a:t>At a minimum, at least two (2) test based </a:t>
+            </a:r>
+            <a:r>
+              <a:rPr lang="en-US" dirty="0" smtClean="0"/>
+              <a:t>f</a:t>
+            </a:r>
+            <a:r>
+              <a:rPr lang="en-US" dirty="0" smtClean="0"/>
+              <a:t>ile components:</a:t>
+            </a:r>
+          </a:p>
+          <a:p>
+            <a:pPr lvl="1"/>
+            <a:r>
+              <a:rPr lang="en-US" sz="4000" dirty="0" smtClean="0">
+                <a:solidFill>
+                  <a:srgbClr val="FF0000"/>
+                </a:solidFill>
+              </a:rPr>
+              <a:t>package.manifest</a:t>
+            </a:r>
+          </a:p>
+          <a:p>
+            <a:pPr lvl="1"/>
+            <a:r>
+              <a:rPr lang="en-US" sz="4000" dirty="0" smtClean="0">
+                <a:solidFill>
+                  <a:srgbClr val="FF0000"/>
+                </a:solidFill>
+              </a:rPr>
+              <a:t>install.sh</a:t>
+            </a:r>
+          </a:p>
+          <a:p>
+            <a:pPr lvl="1"/>
+            <a:r>
+              <a:rPr lang="en-US" sz="3200" dirty="0" smtClean="0"/>
+              <a:t>Contained in a “</a:t>
+            </a:r>
+            <a:r>
+              <a:rPr lang="en-US" sz="3200" dirty="0" smtClean="0">
+                <a:solidFill>
+                  <a:srgbClr val="CC00CC"/>
+                </a:solidFill>
+              </a:rPr>
+              <a:t>YourPackageNameHere.zip</a:t>
+            </a:r>
+            <a:r>
+              <a:rPr lang="en-US" sz="3200" dirty="0" smtClean="0"/>
+              <a:t>” file</a:t>
+            </a:r>
+            <a:endParaRPr lang="en-US" sz="3200" dirty="0"/>
           </a:p>
         </p:txBody>
       </p:sp>
@@ -3145,8 +3210,8 @@
           <a:lstStyle/>
           <a:p>
             <a:r>
-              <a:rPr lang="en-US" dirty="0" smtClean="0"/>
-              <a:t>Components of a Linux blueprint</a:t>
+              <a:rPr lang="en-US" dirty="0"/>
+              <a:t>package.manifest?</a:t>
             </a:r>
             <a:endParaRPr lang="en-US" dirty="0"/>
           </a:p>
@@ -3167,14 +3232,227 @@
           <a:bodyPr/>
           <a:lstStyle/>
           <a:p>
-            <a:endParaRPr lang="en-US"/>
+            <a:r>
+              <a:rPr lang="en-US" dirty="0" smtClean="0"/>
+              <a:t>An XML file with some interesting values used by control:</a:t>
+            </a:r>
+          </a:p>
+          <a:p>
+            <a:pPr lvl="1"/>
+            <a:r>
+              <a:rPr lang="en-US" sz="2800" dirty="0" smtClean="0">
+                <a:solidFill>
+                  <a:srgbClr val="FF0000"/>
+                </a:solidFill>
+              </a:rPr>
+              <a:t>UUID</a:t>
+            </a:r>
+            <a:r>
+              <a:rPr lang="en-US" sz="2800" dirty="0" smtClean="0"/>
+              <a:t> = How control uniquely identifies it</a:t>
+            </a:r>
+            <a:r>
+              <a:rPr lang="en-US" sz="2800" dirty="0"/>
+              <a:t/>
+            </a:r>
+            <a:br>
+              <a:rPr lang="en-US" sz="2800" dirty="0"/>
+            </a:br>
+            <a:r>
+              <a:rPr lang="en-US" sz="2800" dirty="0"/>
+              <a:t>Example: </a:t>
+            </a:r>
+            <a:r>
+              <a:rPr lang="en-US" sz="2800" dirty="0" smtClean="0">
+                <a:solidFill>
+                  <a:srgbClr val="CC00CC"/>
+                </a:solidFill>
+              </a:rPr>
+              <a:t>99b8f0e2-f1f7-4ab3-bb22-332e54a68445</a:t>
+            </a:r>
+          </a:p>
+          <a:p>
+            <a:pPr lvl="1"/>
+            <a:r>
+              <a:rPr lang="en-US" sz="2800" dirty="0" smtClean="0">
+                <a:solidFill>
+                  <a:srgbClr val="FF0000"/>
+                </a:solidFill>
+              </a:rPr>
+              <a:t>Name</a:t>
+            </a:r>
+            <a:r>
+              <a:rPr lang="en-US" sz="2800" dirty="0" smtClean="0"/>
+              <a:t> </a:t>
+            </a:r>
+            <a:r>
+              <a:rPr lang="en-US" sz="2800" dirty="0"/>
+              <a:t>= </a:t>
+            </a:r>
+            <a:r>
+              <a:rPr lang="en-US" sz="2800" dirty="0" smtClean="0">
+                <a:solidFill>
+                  <a:srgbClr val="CC00CC"/>
+                </a:solidFill>
+              </a:rPr>
+              <a:t>This is your choice</a:t>
+            </a:r>
+            <a:r>
+              <a:rPr lang="en-US" sz="2800" dirty="0" smtClean="0"/>
+              <a:t> (have a meaningful convention)</a:t>
+            </a:r>
+          </a:p>
+          <a:p>
+            <a:pPr lvl="1"/>
+            <a:r>
+              <a:rPr lang="en-US" sz="2800" dirty="0" smtClean="0">
+                <a:solidFill>
+                  <a:srgbClr val="FF0000"/>
+                </a:solidFill>
+              </a:rPr>
+              <a:t>Parameter(s)</a:t>
+            </a:r>
+            <a:r>
+              <a:rPr lang="en-US" sz="2800" dirty="0" smtClean="0"/>
+              <a:t> </a:t>
+            </a:r>
+            <a:r>
+              <a:rPr lang="en-US" sz="2800" dirty="0"/>
+              <a:t>= </a:t>
+            </a:r>
+            <a:r>
+              <a:rPr lang="en-US" sz="2800" dirty="0" smtClean="0">
+                <a:solidFill>
+                  <a:srgbClr val="CC00CC"/>
+                </a:solidFill>
+              </a:rPr>
+              <a:t>These are defined by you </a:t>
+            </a:r>
+            <a:r>
+              <a:rPr lang="en-US" sz="2800" dirty="0" smtClean="0"/>
+              <a:t>(using manifest builder)</a:t>
+            </a:r>
+            <a:endParaRPr lang="en-US" sz="2800" dirty="0" smtClean="0">
+              <a:solidFill>
+                <a:srgbClr val="CC00CC"/>
+              </a:solidFill>
+            </a:endParaRPr>
+          </a:p>
+          <a:p>
+            <a:pPr lvl="1"/>
+            <a:r>
+              <a:rPr lang="en-US" sz="2800" dirty="0" smtClean="0">
+                <a:solidFill>
+                  <a:srgbClr val="FF0000"/>
+                </a:solidFill>
+              </a:rPr>
+              <a:t>Mode</a:t>
+            </a:r>
+            <a:r>
+              <a:rPr lang="en-US" sz="2800" dirty="0" smtClean="0"/>
+              <a:t> </a:t>
+            </a:r>
+            <a:r>
+              <a:rPr lang="en-US" sz="2800" dirty="0"/>
+              <a:t>= </a:t>
+            </a:r>
+            <a:r>
+              <a:rPr lang="en-US" sz="2800" dirty="0" smtClean="0"/>
+              <a:t>SSH on Linux = Creds in control must be valid</a:t>
+            </a:r>
+          </a:p>
+          <a:p>
+            <a:pPr lvl="1"/>
+            <a:r>
+              <a:rPr lang="en-US" sz="2800" dirty="0" smtClean="0">
+                <a:solidFill>
+                  <a:srgbClr val="FF0000"/>
+                </a:solidFill>
+              </a:rPr>
+              <a:t>Command</a:t>
+            </a:r>
+            <a:r>
+              <a:rPr lang="en-US" sz="2800" dirty="0" smtClean="0"/>
+              <a:t> </a:t>
+            </a:r>
+            <a:r>
+              <a:rPr lang="en-US" sz="2800" dirty="0"/>
+              <a:t>= </a:t>
+            </a:r>
+            <a:r>
+              <a:rPr lang="en-US" sz="2800" dirty="0" smtClean="0">
+                <a:solidFill>
+                  <a:srgbClr val="CC00CC"/>
+                </a:solidFill>
+              </a:rPr>
+              <a:t>install.sh</a:t>
+            </a:r>
+            <a:r>
+              <a:rPr lang="en-US" sz="2800" dirty="0" smtClean="0"/>
+              <a:t> “</a:t>
+            </a:r>
+            <a:r>
+              <a:rPr lang="en-US" sz="2800" dirty="0" smtClean="0">
+                <a:solidFill>
+                  <a:srgbClr val="CC00CC"/>
+                </a:solidFill>
+              </a:rPr>
+              <a:t>param1</a:t>
+            </a:r>
+            <a:r>
+              <a:rPr lang="en-US" sz="2800" dirty="0" smtClean="0"/>
+              <a:t>” “</a:t>
+            </a:r>
+            <a:r>
+              <a:rPr lang="en-US" sz="2800" dirty="0" smtClean="0">
+                <a:solidFill>
+                  <a:srgbClr val="CC00CC"/>
+                </a:solidFill>
+              </a:rPr>
+              <a:t>param2</a:t>
+            </a:r>
+            <a:r>
+              <a:rPr lang="en-US" sz="2800" dirty="0" smtClean="0"/>
+              <a:t>” “</a:t>
+            </a:r>
+            <a:r>
+              <a:rPr lang="en-US" sz="2800" dirty="0" smtClean="0">
+                <a:solidFill>
+                  <a:srgbClr val="CC00CC"/>
+                </a:solidFill>
+              </a:rPr>
+              <a:t>param3</a:t>
+            </a:r>
+            <a:r>
+              <a:rPr lang="en-US" sz="2800" dirty="0" smtClean="0"/>
+              <a:t>” etc.</a:t>
+            </a:r>
+          </a:p>
+          <a:p>
+            <a:pPr lvl="1"/>
+            <a:r>
+              <a:rPr lang="en-US" sz="2800" dirty="0" smtClean="0"/>
+              <a:t>Want more </a:t>
+            </a:r>
+            <a:r>
+              <a:rPr lang="en-US" sz="2800" dirty="0"/>
+              <a:t>details?</a:t>
+            </a:r>
+            <a:br>
+              <a:rPr lang="en-US" sz="2800" dirty="0"/>
+            </a:br>
+            <a:r>
+              <a:rPr lang="en-US" sz="1600" dirty="0"/>
+              <a:t>https://www.ctl.io/knowledge-base/blueprints/blueprints-script-and-software-package-management/</a:t>
+            </a:r>
+            <a:endParaRPr lang="en-US" sz="1600" dirty="0"/>
           </a:p>
         </p:txBody>
       </p:sp>
     </p:spTree>
     <p:extLst>
       <p:ext uri="{BB962C8B-B14F-4D97-AF65-F5344CB8AC3E}">
-        <p14:creationId xmlns:p14="http://schemas.microsoft.com/office/powerpoint/2010/main" val="1578726553"/>
+        <p14:creationId xmlns:p14="http://schemas.microsoft.com/office/powerpoint/2010/main" val="3155598566"/>
       </p:ext>
     </p:extLst>
   </p:cSld>
@@ -3218,7 +3496,7 @@
           <a:p>
             <a:r>
               <a:rPr lang="en-US" dirty="0" smtClean="0"/>
-              <a:t>How do you create a blueprint?</a:t>
+              <a:t>install.sh?</a:t>
             </a:r>
             <a:endParaRPr lang="en-US" dirty="0"/>
           </a:p>
@@ -3236,21 +3514,152 @@
         </p:nvSpPr>
         <p:spPr/>
         <p:txBody>
-          <a:bodyPr/>
-          <a:lstStyle/>
-          <a:p>
-            <a:r>
-              <a:rPr lang="en-US" dirty="0" smtClean="0"/>
-              <a:t>Blueprint Package Manifest Builder</a:t>
-            </a:r>
-            <a:endParaRPr lang="en-US" dirty="0"/>
+          <a:bodyPr>
+            <a:normAutofit/>
+          </a:bodyPr>
+          <a:lstStyle/>
+          <a:p>
+            <a:r>
+              <a:rPr lang="en-US" dirty="0" smtClean="0"/>
+              <a:t>A bash script file created by you and executed on Linux by control:</a:t>
+            </a:r>
+          </a:p>
+          <a:p>
+            <a:pPr lvl="1"/>
+            <a:r>
+              <a:rPr lang="en-US" sz="2800" dirty="0" smtClean="0">
+                <a:solidFill>
+                  <a:srgbClr val="FF0000"/>
+                </a:solidFill>
+              </a:rPr>
+              <a:t>Parameter Variables </a:t>
+            </a:r>
+            <a:r>
+              <a:rPr lang="en-US" sz="2800" dirty="0" smtClean="0"/>
+              <a:t>= Passed by control and handed to the script</a:t>
+            </a:r>
+          </a:p>
+          <a:p>
+            <a:pPr lvl="1"/>
+            <a:r>
+              <a:rPr lang="en-US" sz="2800" dirty="0" smtClean="0"/>
+              <a:t>Example</a:t>
+            </a:r>
+            <a:r>
+              <a:rPr lang="en-US" sz="2800" dirty="0"/>
+              <a:t>: </a:t>
+            </a:r>
+            <a:r>
+              <a:rPr lang="en-US" sz="2800" dirty="0" smtClean="0">
+                <a:solidFill>
+                  <a:srgbClr val="CC00CC"/>
+                </a:solidFill>
+              </a:rPr>
+              <a:t>install.sh</a:t>
+            </a:r>
+            <a:r>
+              <a:rPr lang="en-US" sz="2800" dirty="0" smtClean="0"/>
+              <a:t> “</a:t>
+            </a:r>
+            <a:r>
+              <a:rPr lang="en-US" sz="2800" dirty="0" smtClean="0">
+                <a:solidFill>
+                  <a:srgbClr val="CC00CC"/>
+                </a:solidFill>
+              </a:rPr>
+              <a:t>param1</a:t>
+            </a:r>
+            <a:r>
+              <a:rPr lang="en-US" sz="2800" dirty="0" smtClean="0"/>
+              <a:t>” “</a:t>
+            </a:r>
+            <a:r>
+              <a:rPr lang="en-US" sz="2800" dirty="0" smtClean="0">
+                <a:solidFill>
+                  <a:srgbClr val="CC00CC"/>
+                </a:solidFill>
+              </a:rPr>
+              <a:t>param2</a:t>
+            </a:r>
+            <a:r>
+              <a:rPr lang="en-US" sz="2800" dirty="0" smtClean="0"/>
+              <a:t>” “</a:t>
+            </a:r>
+            <a:r>
+              <a:rPr lang="en-US" sz="2800" dirty="0" smtClean="0">
+                <a:solidFill>
+                  <a:srgbClr val="CC00CC"/>
+                </a:solidFill>
+              </a:rPr>
+              <a:t>param3</a:t>
+            </a:r>
+            <a:r>
+              <a:rPr lang="en-US" sz="2800" dirty="0" smtClean="0"/>
+              <a:t>”</a:t>
+            </a:r>
+          </a:p>
+          <a:p>
+            <a:pPr lvl="1"/>
+            <a:r>
+              <a:rPr lang="en-US" sz="2800" dirty="0" smtClean="0"/>
+              <a:t>What does the install.sh script do?</a:t>
+            </a:r>
+            <a:br>
+              <a:rPr lang="en-US" sz="2800" dirty="0" smtClean="0"/>
+            </a:br>
+            <a:r>
+              <a:rPr lang="en-US" sz="2800" dirty="0" smtClean="0"/>
+              <a:t>Only what you tell it to do!</a:t>
+            </a:r>
+            <a:br>
+              <a:rPr lang="en-US" sz="2800" dirty="0" smtClean="0"/>
+            </a:br>
+            <a:r>
+              <a:rPr lang="en-US" sz="2800" dirty="0" smtClean="0"/>
+              <a:t>It is a bash script you create and “what” it does is your choice.</a:t>
+            </a:r>
+            <a:br>
+              <a:rPr lang="en-US" sz="2800" dirty="0" smtClean="0"/>
+            </a:br>
+            <a:r>
+              <a:rPr lang="en-US" sz="2800" dirty="0" smtClean="0"/>
+              <a:t>Some examples to follow with the demo, but for instance it could:</a:t>
+            </a:r>
+          </a:p>
+          <a:p>
+            <a:pPr lvl="2"/>
+            <a:r>
+              <a:rPr lang="en-US" dirty="0" smtClean="0"/>
+              <a:t>Install and/or configure software</a:t>
+            </a:r>
+          </a:p>
+          <a:p>
+            <a:pPr lvl="2"/>
+            <a:r>
+              <a:rPr lang="en-US" dirty="0" smtClean="0"/>
+              <a:t>Run reports</a:t>
+            </a:r>
+          </a:p>
+          <a:p>
+            <a:pPr lvl="2"/>
+            <a:r>
+              <a:rPr lang="en-US" dirty="0" smtClean="0"/>
+              <a:t>If you can script it, you can have the blueprint package and control run it</a:t>
+            </a:r>
+          </a:p>
+          <a:p>
+            <a:pPr lvl="2"/>
+            <a:r>
+              <a:rPr lang="en-US" dirty="0" smtClean="0"/>
+              <a:t>Bulk changes, standardize configurations, repetitive tasks etc</a:t>
+            </a:r>
           </a:p>
         </p:txBody>
       </p:sp>
     </p:spTree>
     <p:extLst>
       <p:ext uri="{BB962C8B-B14F-4D97-AF65-F5344CB8AC3E}">
-        <p14:creationId xmlns:p14="http://schemas.microsoft.com/office/powerpoint/2010/main" val="807124991"/>
+        <p14:creationId xmlns:p14="http://schemas.microsoft.com/office/powerpoint/2010/main" val="1592429330"/>
       </p:ext>
     </p:extLst>
   </p:cSld>
@@ -3294,7 +3703,7 @@
           <a:p>
             <a:r>
               <a:rPr lang="en-US" dirty="0" smtClean="0"/>
-              <a:t>How do you execute a blueprint?</a:t>
+              <a:t>How do I get started?</a:t>
             </a:r>
             <a:endParaRPr lang="en-US" dirty="0"/>
           </a:p>
@@ -3315,20 +3724,463 @@
           <a:bodyPr/>
           <a:lstStyle/>
           <a:p>
-            <a:endParaRPr lang="en-US"/>
+            <a:r>
+              <a:rPr lang="en-US" dirty="0" smtClean="0"/>
+              <a:t>Start </a:t>
+            </a:r>
+            <a:r>
+              <a:rPr lang="en-US" dirty="0" smtClean="0"/>
+              <a:t>by reviewing the:</a:t>
+            </a:r>
+            <a:br>
+              <a:rPr lang="en-US" dirty="0" smtClean="0"/>
+            </a:br>
+            <a:r>
+              <a:rPr lang="en-US" dirty="0" smtClean="0">
+                <a:solidFill>
+                  <a:srgbClr val="0000FF"/>
+                </a:solidFill>
+              </a:rPr>
+              <a:t>Blueprint Package Manifest </a:t>
+            </a:r>
+            <a:r>
+              <a:rPr lang="en-US" dirty="0">
+                <a:solidFill>
+                  <a:srgbClr val="0000FF"/>
+                </a:solidFill>
+              </a:rPr>
+              <a:t>Builder Wizard</a:t>
+            </a:r>
+            <a:r>
+              <a:rPr lang="en-US" dirty="0"/>
+              <a:t/>
+            </a:r>
+            <a:br>
+              <a:rPr lang="en-US" dirty="0"/>
+            </a:br>
+            <a:r>
+              <a:rPr lang="en-US" sz="1600" dirty="0"/>
+              <a:t>https://www.ctl.io/knowledge-base/blueprints/blueprint-package-manifest-builder-wizard/ </a:t>
+            </a:r>
+            <a:r>
+              <a:rPr lang="en-US" sz="1600" dirty="0" smtClean="0"/>
+              <a:t/>
+            </a:r>
+            <a:br>
+              <a:rPr lang="en-US" sz="1600" dirty="0" smtClean="0"/>
+            </a:br>
+            <a:endParaRPr lang="en-US" sz="1600" dirty="0" smtClean="0"/>
+          </a:p>
+          <a:p>
+            <a:r>
+              <a:rPr lang="en-US" dirty="0" smtClean="0"/>
+              <a:t>Launch the wizard and create:</a:t>
+            </a:r>
+            <a:r>
+              <a:rPr lang="en-US" dirty="0"/>
+              <a:t/>
+            </a:r>
+            <a:br>
+              <a:rPr lang="en-US" dirty="0"/>
+            </a:br>
+            <a:r>
+              <a:rPr lang="en-US" sz="1600" dirty="0"/>
+              <a:t>http://centurylinkcloud.github.io/blueprint-package-manifest-builder</a:t>
+            </a:r>
+            <a:r>
+              <a:rPr lang="en-US" sz="1600" dirty="0" smtClean="0"/>
+              <a:t>/</a:t>
+            </a:r>
+            <a:r>
+              <a:rPr lang="en-US" dirty="0" smtClean="0"/>
+              <a:t/>
+            </a:r>
+            <a:br>
+              <a:rPr lang="en-US" dirty="0" smtClean="0"/>
+            </a:br>
+            <a:r>
+              <a:rPr lang="en-US" dirty="0" smtClean="0"/>
+              <a:t>1.) A </a:t>
+            </a:r>
+            <a:r>
+              <a:rPr lang="en-US" dirty="0" smtClean="0">
+                <a:solidFill>
+                  <a:srgbClr val="CC00CC"/>
+                </a:solidFill>
+              </a:rPr>
+              <a:t>package.manifest</a:t>
+            </a:r>
+            <a:r>
+              <a:rPr lang="en-US" dirty="0" smtClean="0"/>
+              <a:t> file with unique UUID</a:t>
+            </a:r>
+            <a:br>
+              <a:rPr lang="en-US" dirty="0" smtClean="0"/>
+            </a:br>
+            <a:r>
+              <a:rPr lang="en-US" dirty="0" smtClean="0"/>
+              <a:t>2.) A “</a:t>
+            </a:r>
+            <a:r>
+              <a:rPr lang="en-US" dirty="0" smtClean="0">
+                <a:solidFill>
+                  <a:srgbClr val="FF0000"/>
+                </a:solidFill>
+              </a:rPr>
+              <a:t>starter</a:t>
+            </a:r>
+            <a:r>
+              <a:rPr lang="en-US" dirty="0" smtClean="0"/>
+              <a:t>” </a:t>
+            </a:r>
+            <a:r>
+              <a:rPr lang="en-US" dirty="0" smtClean="0">
+                <a:solidFill>
+                  <a:srgbClr val="CC00CC"/>
+                </a:solidFill>
+              </a:rPr>
+              <a:t>install.sh</a:t>
+            </a:r>
+            <a:r>
+              <a:rPr lang="en-US" dirty="0" smtClean="0"/>
+              <a:t> script that </a:t>
+            </a:r>
+            <a:r>
+              <a:rPr lang="en-US" dirty="0" smtClean="0">
+                <a:solidFill>
+                  <a:srgbClr val="FF0000"/>
+                </a:solidFill>
+              </a:rPr>
+              <a:t>you need </a:t>
+            </a:r>
+            <a:r>
+              <a:rPr lang="en-US" dirty="0">
+                <a:solidFill>
+                  <a:srgbClr val="FF0000"/>
+                </a:solidFill>
+              </a:rPr>
+              <a:t>to </a:t>
+            </a:r>
+            <a:r>
+              <a:rPr lang="en-US" dirty="0" smtClean="0">
+                <a:solidFill>
+                  <a:srgbClr val="FF0000"/>
+                </a:solidFill>
+              </a:rPr>
+              <a:t>complete</a:t>
+            </a:r>
+          </a:p>
+          <a:p>
+            <a:pPr lvl="1"/>
+            <a:r>
+              <a:rPr lang="en-US" dirty="0" smtClean="0"/>
+              <a:t>Linux Bash scripting skills needed</a:t>
+            </a:r>
+          </a:p>
+          <a:p>
+            <a:pPr lvl="1"/>
+            <a:r>
+              <a:rPr lang="en-US" dirty="0" smtClean="0"/>
+              <a:t>Scripts may already exist for your needs (mileage may vary)</a:t>
+            </a:r>
+          </a:p>
+          <a:p>
+            <a:pPr lvl="1"/>
+            <a:r>
+              <a:rPr lang="en-US" dirty="0" smtClean="0"/>
+              <a:t>Scripts can be in a wide range, basic “one-liner” to extremely complex</a:t>
+            </a:r>
+            <a:r>
+              <a:rPr lang="en-US" dirty="0"/>
+              <a:t/>
+            </a:r>
+            <a:br>
+              <a:rPr lang="en-US" dirty="0"/>
+            </a:br>
+            <a:endParaRPr lang="en-US" sz="2000" dirty="0"/>
           </a:p>
         </p:txBody>
       </p:sp>
     </p:spTree>
     <p:extLst>
       <p:ext uri="{BB962C8B-B14F-4D97-AF65-F5344CB8AC3E}">
-        <p14:creationId xmlns:p14="http://schemas.microsoft.com/office/powerpoint/2010/main" val="174529449"/>
+        <p14:creationId xmlns:p14="http://schemas.microsoft.com/office/powerpoint/2010/main" val="2858975317"/>
       </p:ext>
     </p:extLst>
   </p:cSld>
   <p:clrMapOvr>
     <a:masterClrMapping/>
   </p:clrMapOvr>
+</p:sld>
+</file>
+
+<file path=ppt/slides/slide6.xml><?xml version="1.0" encoding="utf-8"?>
+<p:sld xmlns:a="http://schemas.openxmlformats.org/drawingml/2006/main" xmlns:r="http://schemas.openxmlformats.org/officeDocument/2006/relationships" xmlns:p="http://schemas.openxmlformats.org/presentationml/2006/main">
+  <p:cSld>
+    <p:spTree>
+      <p:nvGrpSpPr>
+        <p:cNvPr id="1" name=""/>
+        <p:cNvGrpSpPr/>
+        <p:nvPr/>
+      </p:nvGrpSpPr>
+      <p:grpSpPr>
+        <a:xfrm>
+          <a:off x="0" y="0"/>
+          <a:ext cx="0" cy="0"/>
+          <a:chOff x="0" y="0"/>
+          <a:chExt cx="0" cy="0"/>
+        </a:xfrm>
+      </p:grpSpPr>
+      <p:sp>
+        <p:nvSpPr>
+          <p:cNvPr id="2" name="Title 1"/>
+          <p:cNvSpPr>
+            <a:spLocks noGrp="1"/>
+          </p:cNvSpPr>
+          <p:nvPr>
+            <p:ph type="title"/>
+          </p:nvPr>
+        </p:nvSpPr>
+        <p:spPr/>
+        <p:txBody>
+          <a:bodyPr/>
+          <a:lstStyle/>
+          <a:p>
+            <a:r>
+              <a:rPr lang="en-US" dirty="0" smtClean="0"/>
+              <a:t>Ok, I have a manifest and script, what now?</a:t>
+            </a:r>
+            <a:endParaRPr lang="en-US" dirty="0"/>
+          </a:p>
+        </p:txBody>
+      </p:sp>
+      <p:sp>
+        <p:nvSpPr>
+          <p:cNvPr id="3" name="Content Placeholder 2"/>
+          <p:cNvSpPr>
+            <a:spLocks noGrp="1"/>
+          </p:cNvSpPr>
+          <p:nvPr>
+            <p:ph idx="1"/>
+          </p:nvPr>
+        </p:nvSpPr>
+        <p:spPr/>
+        <p:txBody>
+          <a:bodyPr>
+            <a:normAutofit/>
+          </a:bodyPr>
+          <a:lstStyle/>
+          <a:p>
+            <a:r>
+              <a:rPr lang="en-US" dirty="0" smtClean="0"/>
+              <a:t>First, </a:t>
+            </a:r>
+            <a:r>
+              <a:rPr lang="en-US" dirty="0" smtClean="0"/>
+              <a:t>and warning, this is the first place folks fail!</a:t>
+            </a:r>
+          </a:p>
+          <a:p>
+            <a:pPr lvl="1"/>
+            <a:r>
+              <a:rPr lang="en-US" dirty="0" smtClean="0"/>
+              <a:t>Upload the files to an actual Linux box and:</a:t>
+            </a:r>
+          </a:p>
+          <a:p>
+            <a:pPr lvl="2"/>
+            <a:r>
+              <a:rPr lang="en-US" dirty="0" smtClean="0"/>
+              <a:t>Run a dos2unix on them </a:t>
+            </a:r>
+            <a:r>
+              <a:rPr lang="en-US" dirty="0" smtClean="0"/>
+              <a:t>so they have Unix line endings (not Windows CRLF)</a:t>
+            </a:r>
+            <a:br>
+              <a:rPr lang="en-US" dirty="0" smtClean="0"/>
+            </a:br>
+            <a:r>
+              <a:rPr lang="en-US" sz="1800" b="1" dirty="0" smtClean="0">
+                <a:solidFill>
+                  <a:srgbClr val="0000FF"/>
+                </a:solidFill>
+                <a:latin typeface="Courier New" panose="02070309020205020404" pitchFamily="49" charset="0"/>
+                <a:cs typeface="Courier New" panose="02070309020205020404" pitchFamily="49" charset="0"/>
+              </a:rPr>
+              <a:t>dos2unix *</a:t>
+            </a:r>
+          </a:p>
+          <a:p>
+            <a:pPr lvl="2"/>
+            <a:r>
+              <a:rPr lang="en-US" dirty="0" smtClean="0"/>
+              <a:t>Set the execute permission on the install.sh</a:t>
+            </a:r>
+            <a:br>
+              <a:rPr lang="en-US" dirty="0" smtClean="0"/>
+            </a:br>
+            <a:r>
+              <a:rPr lang="en-US" sz="1800" b="1" dirty="0">
+                <a:solidFill>
+                  <a:srgbClr val="0000FF"/>
+                </a:solidFill>
+                <a:latin typeface="Courier New" panose="02070309020205020404" pitchFamily="49" charset="0"/>
+                <a:cs typeface="Courier New" panose="02070309020205020404" pitchFamily="49" charset="0"/>
+              </a:rPr>
+              <a:t>chmod +x install.sh</a:t>
+            </a:r>
+          </a:p>
+          <a:p>
+            <a:pPr lvl="2"/>
+            <a:r>
+              <a:rPr lang="en-US" dirty="0" smtClean="0"/>
+              <a:t>Zip up the files and make sure the package does not contain “sub folders”</a:t>
+            </a:r>
+            <a:r>
+              <a:rPr lang="en-US" dirty="0"/>
+              <a:t/>
+            </a:r>
+            <a:br>
+              <a:rPr lang="en-US" dirty="0"/>
+            </a:br>
+            <a:r>
+              <a:rPr lang="en-US" sz="1800" b="1" dirty="0">
+                <a:solidFill>
+                  <a:srgbClr val="0000FF"/>
+                </a:solidFill>
+                <a:latin typeface="Courier New" panose="02070309020205020404" pitchFamily="49" charset="0"/>
+                <a:cs typeface="Courier New" panose="02070309020205020404" pitchFamily="49" charset="0"/>
+              </a:rPr>
+              <a:t>zip </a:t>
+            </a:r>
+            <a:r>
+              <a:rPr lang="en-US" sz="1800" b="1" dirty="0">
+                <a:solidFill>
+                  <a:srgbClr val="CC00CC"/>
+                </a:solidFill>
+                <a:latin typeface="Courier New" panose="02070309020205020404" pitchFamily="49" charset="0"/>
+                <a:cs typeface="Courier New" panose="02070309020205020404" pitchFamily="49" charset="0"/>
+              </a:rPr>
+              <a:t>MyPackage</a:t>
+            </a:r>
+            <a:r>
+              <a:rPr lang="en-US" sz="1800" b="1" dirty="0">
+                <a:solidFill>
+                  <a:srgbClr val="0000FF"/>
+                </a:solidFill>
+                <a:latin typeface="Courier New" panose="02070309020205020404" pitchFamily="49" charset="0"/>
+                <a:cs typeface="Courier New" panose="02070309020205020404" pitchFamily="49" charset="0"/>
+              </a:rPr>
+              <a:t>.zip *</a:t>
+            </a:r>
+            <a:endParaRPr lang="en-US" sz="1800" b="1" dirty="0">
+              <a:solidFill>
+                <a:srgbClr val="0000FF"/>
+              </a:solidFill>
+              <a:latin typeface="Courier New" panose="02070309020205020404" pitchFamily="49" charset="0"/>
+              <a:cs typeface="Courier New" panose="02070309020205020404" pitchFamily="49" charset="0"/>
+            </a:endParaRPr>
+          </a:p>
+          <a:p>
+            <a:r>
+              <a:rPr lang="en-US" dirty="0" smtClean="0"/>
+              <a:t>Second, test your work!</a:t>
+            </a:r>
+          </a:p>
+          <a:p>
+            <a:pPr lvl="2"/>
+            <a:r>
+              <a:rPr lang="en-US" dirty="0" smtClean="0"/>
+              <a:t>If the script fails to do its job at the command line, putting it in a package won’t help!</a:t>
+            </a:r>
+          </a:p>
+          <a:p>
+            <a:pPr lvl="2"/>
+            <a:r>
+              <a:rPr lang="en-US" dirty="0" smtClean="0"/>
+              <a:t>Use a demo VM and a snapshot and test out the package completely in control</a:t>
+            </a:r>
+          </a:p>
+        </p:txBody>
+      </p:sp>
+    </p:spTree>
+    <p:extLst>
+      <p:ext uri="{BB962C8B-B14F-4D97-AF65-F5344CB8AC3E}">
+        <p14:creationId xmlns:p14="http://schemas.microsoft.com/office/powerpoint/2010/main" val="3998117925"/>
+      </p:ext>
+    </p:extLst>
+  </p:cSld>
+  <p:clrMapOvr>
+    <a:masterClrMapping/>
+  </p:clrMapOvr>
+</p:sld>
+</file>
+
+<file path=ppt/slides/slide7.xml><?xml version="1.0" encoding="utf-8"?>
+<p:sld xmlns:a="http://schemas.openxmlformats.org/drawingml/2006/main" xmlns:r="http://schemas.openxmlformats.org/officeDocument/2006/relationships" xmlns:p="http://schemas.openxmlformats.org/presentationml/2006/main">
+  <p:cSld>
+    <p:spTree>
+      <p:nvGrpSpPr>
+        <p:cNvPr id="1" name=""/>
+        <p:cNvGrpSpPr/>
+        <p:nvPr/>
+      </p:nvGrpSpPr>
+      <p:grpSpPr>
+        <a:xfrm>
+          <a:off x="0" y="0"/>
+          <a:ext cx="0" cy="0"/>
+          <a:chOff x="0" y="0"/>
+          <a:chExt cx="0" cy="0"/>
+        </a:xfrm>
+      </p:grpSpPr>
+      <p:pic>
+        <p:nvPicPr>
+          <p:cNvPr id="4" name="Picture 3"/>
+          <p:cNvPicPr>
+            <a:picLocks noChangeAspect="1"/>
+          </p:cNvPicPr>
+          <p:nvPr/>
+        </p:nvPicPr>
+        <p:blipFill>
+          <a:blip r:embed="rId2">
+            <a:extLst>
+              <a:ext uri="{28A0092B-C50C-407E-A947-70E740481C1C}">
+                <a14:useLocalDpi xmlns:a14="http://schemas.microsoft.com/office/drawing/2010/main" val="0"/>
+              </a:ext>
+            </a:extLst>
+          </a:blip>
+          <a:stretch>
+            <a:fillRect/>
+          </a:stretch>
+        </p:blipFill>
+        <p:spPr>
+          <a:xfrm>
+            <a:off x="2857500" y="190500"/>
+            <a:ext cx="6477000" cy="6477000"/>
+          </a:xfrm>
+          <a:prstGeom prst="rect">
+            <a:avLst/>
+          </a:prstGeom>
+        </p:spPr>
+      </p:pic>
+    </p:spTree>
+    <p:extLst>
+      <p:ext uri="{BB962C8B-B14F-4D97-AF65-F5344CB8AC3E}">
+        <p14:creationId xmlns:p14="http://schemas.microsoft.com/office/powerpoint/2010/main" val="818204415"/>
+      </p:ext>
+    </p:extLst>
+  </p:cSld>
+  <p:clrMapOvr>
+    <a:masterClrMapping/>
+  </p:clrMapOvr>
+  <p:timing>
+    <p:tnLst>
+      <p:par>
+        <p:cTn id="1" dur="indefinite" restart="never" nodeType="tmRoot"/>
+      </p:par>
+    </p:tnLst>
+  </p:timing>
 </p:sld>
 </file>
 
